--- a/05_TextClassifierTFHub.pptx
+++ b/05_TextClassifierTFHub.pptx
@@ -8336,7 +8336,15 @@
                   <a:schemeClr val="tx1"/>
                 </a:solidFill>
               </a:rPr>
-              <a:t>tensorflow-hun</a:t>
+              <a:t>tensorflow</a:t>
+            </a:r>
+            <a:r>
+              <a:rPr lang="en-US" altLang="zh-TW" sz="1800">
+                <a:solidFill>
+                  <a:schemeClr val="tx1"/>
+                </a:solidFill>
+              </a:rPr>
+              <a:t>-hub</a:t>
             </a:r>
             <a:endParaRPr lang="en-US" altLang="zh-TW" sz="1800" dirty="0">
               <a:solidFill>
